--- a/기획서/UI관련/스테이터스 UI 구도 및 설명.pptx
+++ b/기획서/UI관련/스테이터스 UI 구도 및 설명.pptx
@@ -106,6 +106,11 @@
       </a:defRPr>
     </a:lvl9pPr>
   </p:defaultTextStyle>
+  <p:extLst>
+    <p:ext uri="{EFAFB233-063F-42B5-8137-9DF3F51BA10A}">
+      <p15:sldGuideLst xmlns:p15="http://schemas.microsoft.com/office/powerpoint/2012/main"/>
+    </p:ext>
+  </p:extLst>
 </p:presentation>
 </file>
 
@@ -4281,7 +4286,29 @@
               <a:rPr lang="en-US" altLang="ko-KR" sz="1200" dirty="0"/>
               <a:t>.</a:t>
             </a:r>
-            <a:endParaRPr lang="ko-KR" altLang="en-US" sz="1200" dirty="0"/>
+          </a:p>
+          <a:p>
+            <a:pPr algn="ctr"/>
+            <a:r>
+              <a:rPr lang="en-US" altLang="ko-KR" sz="1200" dirty="0"/>
+              <a:t>(</a:t>
+            </a:r>
+            <a:r>
+              <a:rPr lang="ko-KR" altLang="en-US" sz="1200" dirty="0"/>
+              <a:t>기존 초상화 하단에 있는 </a:t>
+            </a:r>
+            <a:r>
+              <a:rPr lang="ko-KR" altLang="en-US" sz="1200" dirty="0" err="1"/>
+              <a:t>행동력</a:t>
+            </a:r>
+            <a:r>
+              <a:rPr lang="ko-KR" altLang="en-US" sz="1200" dirty="0"/>
+              <a:t> 수치는 삭제한다</a:t>
+            </a:r>
+            <a:r>
+              <a:rPr lang="en-US" altLang="ko-KR" sz="1200" dirty="0"/>
+              <a:t>.)</a:t>
+            </a:r>
           </a:p>
         </p:txBody>
       </p:sp>
@@ -4891,6 +4918,78 @@
           </a:prstGeom>
         </p:spPr>
       </p:pic>
+      <p:sp>
+        <p:nvSpPr>
+          <p:cNvPr id="10" name="설명선: 선(테두리 및 강조선) 9">
+            <a:extLst>
+              <a:ext uri="{FF2B5EF4-FFF2-40B4-BE49-F238E27FC236}">
+                <a16:creationId xmlns:a16="http://schemas.microsoft.com/office/drawing/2014/main" id="{F2B61B91-1981-42C0-B32C-A7A6A6ED77CF}"/>
+              </a:ext>
+            </a:extLst>
+          </p:cNvPr>
+          <p:cNvSpPr/>
+          <p:nvPr/>
+        </p:nvSpPr>
+        <p:spPr>
+          <a:xfrm>
+            <a:off x="7361034" y="2713875"/>
+            <a:ext cx="3737764" cy="1103290"/>
+          </a:xfrm>
+          <a:prstGeom prst="accentBorderCallout1">
+            <a:avLst>
+              <a:gd name="adj1" fmla="val 42156"/>
+              <a:gd name="adj2" fmla="val -5345"/>
+              <a:gd name="adj3" fmla="val 99359"/>
+              <a:gd name="adj4" fmla="val -21241"/>
+            </a:avLst>
+          </a:prstGeom>
+        </p:spPr>
+        <p:style>
+          <a:lnRef idx="2">
+            <a:schemeClr val="dk1"/>
+          </a:lnRef>
+          <a:fillRef idx="1">
+            <a:schemeClr val="lt1"/>
+          </a:fillRef>
+          <a:effectRef idx="0">
+            <a:schemeClr val="dk1"/>
+          </a:effectRef>
+          <a:fontRef idx="minor">
+            <a:schemeClr val="dk1"/>
+          </a:fontRef>
+        </p:style>
+        <p:txBody>
+          <a:bodyPr rtlCol="0" anchor="ctr"/>
+          <a:lstStyle/>
+          <a:p>
+            <a:pPr algn="ctr"/>
+            <a:r>
+              <a:rPr lang="ko-KR" altLang="en-US" sz="1200" dirty="0"/>
+              <a:t>바탕은 투명도 </a:t>
+            </a:r>
+            <a:r>
+              <a:rPr lang="en-US" altLang="ko-KR" sz="1200" dirty="0"/>
+              <a:t>50%</a:t>
+            </a:r>
+            <a:r>
+              <a:rPr lang="ko-KR" altLang="en-US" sz="1200" dirty="0"/>
+              <a:t> 흰색</a:t>
+            </a:r>
+            <a:r>
+              <a:rPr lang="en-US" altLang="ko-KR" sz="1200" dirty="0"/>
+              <a:t>(R 0 G 0 B 0)</a:t>
+            </a:r>
+            <a:r>
+              <a:rPr lang="ko-KR" altLang="en-US" sz="1200" dirty="0"/>
+              <a:t>으로 한다</a:t>
+            </a:r>
+            <a:r>
+              <a:rPr lang="en-US" altLang="ko-KR" sz="1200" dirty="0"/>
+              <a:t>.</a:t>
+            </a:r>
+          </a:p>
+        </p:txBody>
+      </p:sp>
     </p:spTree>
     <p:extLst>
       <p:ext uri="{BB962C8B-B14F-4D97-AF65-F5344CB8AC3E}">
